--- a/WQD7005.Milestone1.WQD180073.pptx
+++ b/WQD7005.Milestone1.WQD180073.pptx
@@ -3377,6 +3377,12 @@
               <a:t>2019/2020 Semester 2</a:t>
             </a:r>
           </a:p>
+          <a:p>
+            <a:r>
+              <a:rPr lang="en-US" dirty="0"/>
+              <a:t>13 Mar 2020</a:t>
+            </a:r>
+          </a:p>
         </p:txBody>
       </p:sp>
     </p:spTree>
@@ -3455,7 +3461,9 @@
         </p:nvSpPr>
         <p:spPr/>
         <p:txBody>
-          <a:bodyPr/>
+          <a:bodyPr>
+            <a:normAutofit/>
+          </a:bodyPr>
           <a:lstStyle/>
           <a:p>
             <a:pPr lvl="0"/>
@@ -3491,8 +3499,13 @@
             </a:r>
             <a:r>
               <a:rPr lang="en-US" dirty="0"/>
-              <a:t>, WQD180073 (17039525/2)</a:t>
-            </a:r>
+              <a:t>, WQD180073 (</a:t>
+            </a:r>
+            <a:r>
+              <a:rPr lang="en-US"/>
+              <a:t>17039525/2)</a:t>
+            </a:r>
+            <a:endParaRPr lang="en-US" dirty="0"/>
           </a:p>
           <a:p>
             <a:pPr lvl="1"/>
@@ -3508,14 +3521,14 @@
           <a:p>
             <a:r>
               <a:rPr lang="en-US" dirty="0"/>
-              <a:t>Domain:</a:t>
+              <a:t>Domain &amp; Goal:</a:t>
             </a:r>
           </a:p>
           <a:p>
             <a:pPr lvl="1"/>
             <a:r>
               <a:rPr lang="en-US" dirty="0"/>
-              <a:t>Bursa Malaysia Stock Price </a:t>
+              <a:t>Predicting the Bursa Malaysia Stock Price by Sector</a:t>
             </a:r>
           </a:p>
         </p:txBody>
@@ -3601,7 +3614,9 @@
           </a:xfrm>
         </p:spPr>
         <p:txBody>
-          <a:bodyPr/>
+          <a:bodyPr>
+            <a:normAutofit fontScale="92500" lnSpcReduction="10000"/>
+          </a:bodyPr>
           <a:lstStyle/>
           <a:p>
             <a:r>
@@ -3618,6 +3633,15 @@
                 <a:hlinkClick r:id="rId3"/>
               </a:rPr>
               <a:t>https://www.w3resource.com/python-exercises/BeautifulSoup/index.php</a:t>
+            </a:r>
+            <a:endParaRPr lang="en-US" dirty="0"/>
+          </a:p>
+          <a:p>
+            <a:r>
+              <a:rPr lang="en-US" dirty="0">
+                <a:hlinkClick r:id="rId4"/>
+              </a:rPr>
+              <a:t>https://www.crummy.com/software/BeautifulSoup/bs4/doc/#get-text</a:t>
             </a:r>
             <a:endParaRPr lang="en-US" dirty="0"/>
           </a:p>
